--- a/doc/deliverables/SmartBlog.pptx
+++ b/doc/deliverables/SmartBlog.pptx
@@ -12353,74 +12353,123 @@
       </p:sp>
       <p:pic>
         <p:nvPicPr>
-          <p:cNvPr id="4" name="image18.jpg">
+          <p:cNvPr id="7" name="Immagine 6">
             <a:extLst>
               <a:ext uri="{FF2B5EF4-FFF2-40B4-BE49-F238E27FC236}">
-                <a16:creationId xmlns:a16="http://schemas.microsoft.com/office/drawing/2014/main" id="{A25D6B6F-28F5-41A7-A5BB-E00FBEF2FFE8}"/>
+                <a16:creationId xmlns:a16="http://schemas.microsoft.com/office/drawing/2014/main" id="{0111A449-51E9-4668-93F6-E00E1A81B104}"/>
               </a:ext>
             </a:extLst>
           </p:cNvPr>
-          <p:cNvPicPr/>
+          <p:cNvPicPr>
+            <a:picLocks noChangeAspect="1"/>
+          </p:cNvPicPr>
           <p:nvPr/>
         </p:nvPicPr>
         <p:blipFill>
           <a:blip r:embed="rId3"/>
-          <a:srcRect/>
           <a:stretch>
             <a:fillRect/>
           </a:stretch>
         </p:blipFill>
         <p:spPr>
           <a:xfrm>
-            <a:off x="3349732" y="684129"/>
-            <a:ext cx="5730875" cy="4064000"/>
+            <a:off x="3167693" y="627617"/>
+            <a:ext cx="5723263" cy="4059716"/>
           </a:xfrm>
           <a:prstGeom prst="rect">
             <a:avLst/>
           </a:prstGeom>
-          <a:ln/>
         </p:spPr>
       </p:pic>
-      <p:cxnSp>
-        <p:nvCxnSpPr>
-          <p:cNvPr id="6" name="Connettore 2 5">
+      <p:sp>
+        <p:nvSpPr>
+          <p:cNvPr id="8" name="Rettangolo 7">
             <a:extLst>
               <a:ext uri="{FF2B5EF4-FFF2-40B4-BE49-F238E27FC236}">
-                <a16:creationId xmlns:a16="http://schemas.microsoft.com/office/drawing/2014/main" id="{F0A17962-484A-48F9-956A-64272EF8AF32}"/>
+                <a16:creationId xmlns:a16="http://schemas.microsoft.com/office/drawing/2014/main" id="{680418C5-CD33-4FE0-8EB3-72524C5FBD3F}"/>
               </a:ext>
             </a:extLst>
           </p:cNvPr>
-          <p:cNvCxnSpPr/>
+          <p:cNvSpPr/>
           <p:nvPr/>
-        </p:nvCxnSpPr>
+        </p:nvSpPr>
         <p:spPr>
           <a:xfrm>
-            <a:off x="5816077" y="1568879"/>
-            <a:ext cx="35560" cy="0"/>
+            <a:off x="3581400" y="2524125"/>
+            <a:ext cx="123825" cy="47625"/>
           </a:xfrm>
-          <a:prstGeom prst="straightConnector1">
+          <a:prstGeom prst="rect">
             <a:avLst/>
           </a:prstGeom>
+          <a:solidFill>
+            <a:schemeClr val="bg1"/>
+          </a:solidFill>
           <a:ln>
-            <a:headEnd type="arrow" w="med" len="med"/>
-            <a:tailEnd type="none" w="med" len="med"/>
+            <a:solidFill>
+              <a:schemeClr val="bg1"/>
+            </a:solidFill>
           </a:ln>
         </p:spPr>
         <p:style>
-          <a:lnRef idx="1">
-            <a:schemeClr val="accent1"/>
+          <a:lnRef idx="2">
+            <a:schemeClr val="accent1">
+              <a:shade val="50000"/>
+            </a:schemeClr>
           </a:lnRef>
-          <a:fillRef idx="0">
+          <a:fillRef idx="1">
             <a:schemeClr val="accent1"/>
           </a:fillRef>
           <a:effectRef idx="0">
             <a:schemeClr val="accent1"/>
           </a:effectRef>
           <a:fontRef idx="minor">
-            <a:schemeClr val="tx1"/>
+            <a:schemeClr val="lt1"/>
           </a:fontRef>
         </p:style>
-      </p:cxnSp>
+        <p:txBody>
+          <a:bodyPr rtlCol="0" anchor="ctr"/>
+          <a:lstStyle/>
+          <a:p>
+            <a:pPr algn="ctr"/>
+            <a:endParaRPr lang="it-IT"/>
+          </a:p>
+        </p:txBody>
+      </p:sp>
+      <p:sp>
+        <p:nvSpPr>
+          <p:cNvPr id="9" name="CasellaDiTesto 8">
+            <a:extLst>
+              <a:ext uri="{FF2B5EF4-FFF2-40B4-BE49-F238E27FC236}">
+                <a16:creationId xmlns:a16="http://schemas.microsoft.com/office/drawing/2014/main" id="{2691503F-D027-44CB-8690-66985E0F9AB0}"/>
+              </a:ext>
+            </a:extLst>
+          </p:cNvPr>
+          <p:cNvSpPr txBox="1"/>
+          <p:nvPr/>
+        </p:nvSpPr>
+        <p:spPr>
+          <a:xfrm>
+            <a:off x="3476624" y="2457420"/>
+            <a:ext cx="195263" cy="200055"/>
+          </a:xfrm>
+          <a:prstGeom prst="rect">
+            <a:avLst/>
+          </a:prstGeom>
+          <a:noFill/>
+        </p:spPr>
+        <p:txBody>
+          <a:bodyPr wrap="square" rtlCol="0">
+            <a:spAutoFit/>
+          </a:bodyPr>
+          <a:lstStyle/>
+          <a:p>
+            <a:r>
+              <a:rPr lang="it-IT" sz="700" dirty="0"/>
+              <a:t>*</a:t>
+            </a:r>
+          </a:p>
+        </p:txBody>
+      </p:sp>
     </p:spTree>
   </p:cSld>
   <p:clrMapOvr>
